--- a/Final_Submission/BigDataNLP_Reddit_030920.pptx
+++ b/Final_Submission/BigDataNLP_Reddit_030920.pptx
@@ -609,7 +609,7 @@
           <a:p>
             <a:fld id="{72345051-2045-45DA-935E-2E3CA1A69ADC}" type="datetimeFigureOut">
               <a:rPr lang="en-US" smtClean="0"/>
-              <a:t>3/9/2020</a:t>
+              <a:t>3/9/20</a:t>
             </a:fld>
             <a:endParaRPr lang="en-US"/>
           </a:p>
@@ -807,7 +807,7 @@
           <a:p>
             <a:fld id="{72345051-2045-45DA-935E-2E3CA1A69ADC}" type="datetimeFigureOut">
               <a:rPr lang="en-US" smtClean="0"/>
-              <a:t>3/9/2020</a:t>
+              <a:t>3/9/20</a:t>
             </a:fld>
             <a:endParaRPr lang="en-US"/>
           </a:p>
@@ -1015,7 +1015,7 @@
           <a:p>
             <a:fld id="{72345051-2045-45DA-935E-2E3CA1A69ADC}" type="datetimeFigureOut">
               <a:rPr lang="en-US" smtClean="0"/>
-              <a:t>3/9/2020</a:t>
+              <a:t>3/9/20</a:t>
             </a:fld>
             <a:endParaRPr lang="en-US"/>
           </a:p>
@@ -1238,7 +1238,7 @@
           <a:p>
             <a:fld id="{72345051-2045-45DA-935E-2E3CA1A69ADC}" type="datetimeFigureOut">
               <a:rPr lang="en-US" smtClean="0"/>
-              <a:t>3/9/2020</a:t>
+              <a:t>3/9/20</a:t>
             </a:fld>
             <a:endParaRPr lang="en-US"/>
           </a:p>
@@ -2149,7 +2149,7 @@
           <a:p>
             <a:fld id="{72345051-2045-45DA-935E-2E3CA1A69ADC}" type="datetimeFigureOut">
               <a:rPr lang="en-US" smtClean="0"/>
-              <a:t>3/9/2020</a:t>
+              <a:t>3/9/20</a:t>
             </a:fld>
             <a:endParaRPr lang="en-US"/>
           </a:p>
@@ -2753,7 +2753,7 @@
           <a:p>
             <a:fld id="{72345051-2045-45DA-935E-2E3CA1A69ADC}" type="datetimeFigureOut">
               <a:rPr lang="en-US" smtClean="0"/>
-              <a:t>3/9/2020</a:t>
+              <a:t>3/9/20</a:t>
             </a:fld>
             <a:endParaRPr lang="en-US"/>
           </a:p>
@@ -3802,7 +3802,7 @@
           <a:p>
             <a:fld id="{72345051-2045-45DA-935E-2E3CA1A69ADC}" type="datetimeFigureOut">
               <a:rPr lang="en-US" smtClean="0"/>
-              <a:t>3/9/2020</a:t>
+              <a:t>3/9/20</a:t>
             </a:fld>
             <a:endParaRPr lang="en-US"/>
           </a:p>
@@ -4586,7 +4586,7 @@
           <a:p>
             <a:fld id="{72345051-2045-45DA-935E-2E3CA1A69ADC}" type="datetimeFigureOut">
               <a:rPr lang="en-US" smtClean="0"/>
-              <a:t>3/9/2020</a:t>
+              <a:t>3/9/20</a:t>
             </a:fld>
             <a:endParaRPr lang="en-US"/>
           </a:p>
@@ -5035,7 +5035,7 @@
           <a:p>
             <a:fld id="{72345051-2045-45DA-935E-2E3CA1A69ADC}" type="datetimeFigureOut">
               <a:rPr lang="en-US" smtClean="0"/>
-              <a:t>3/9/2020</a:t>
+              <a:t>3/9/20</a:t>
             </a:fld>
             <a:endParaRPr lang="en-US"/>
           </a:p>
@@ -5352,7 +5352,7 @@
           <a:p>
             <a:fld id="{72345051-2045-45DA-935E-2E3CA1A69ADC}" type="datetimeFigureOut">
               <a:rPr lang="en-US" smtClean="0"/>
-              <a:t>3/9/2020</a:t>
+              <a:t>3/9/20</a:t>
             </a:fld>
             <a:endParaRPr lang="en-US"/>
           </a:p>
@@ -5980,7 +5980,7 @@
           <a:p>
             <a:fld id="{72345051-2045-45DA-935E-2E3CA1A69ADC}" type="datetimeFigureOut">
               <a:rPr lang="en-US" smtClean="0"/>
-              <a:t>3/9/2020</a:t>
+              <a:t>3/9/20</a:t>
             </a:fld>
             <a:endParaRPr lang="en-US"/>
           </a:p>
@@ -6555,7 +6555,7 @@
           <a:p>
             <a:fld id="{72345051-2045-45DA-935E-2E3CA1A69ADC}" type="datetimeFigureOut">
               <a:rPr lang="en-US" smtClean="0"/>
-              <a:t>3/9/2020</a:t>
+              <a:t>3/9/20</a:t>
             </a:fld>
             <a:endParaRPr lang="en-US"/>
           </a:p>
@@ -7064,11 +7064,14 @@
         </p:spPr>
         <p:txBody>
           <a:bodyPr>
-            <a:normAutofit/>
+            <a:normAutofit fontScale="90000"/>
           </a:bodyPr>
           <a:lstStyle/>
           <a:p>
             <a:pPr algn="ctr"/>
+            <a:br>
+              <a:rPr lang="en-US" dirty="0"/>
+            </a:br>
             <a:r>
               <a:rPr lang="en-US" dirty="0"/>
               <a:t>Big Data NLP with Reddit r/Politics</a:t>
